--- a/BoiseState_project_proposal.pptx
+++ b/BoiseState_project_proposal.pptx
@@ -238,7 +238,7 @@
           <a:p>
             <a:fld id="{56556265-6DDA-4730-889E-D301F982DFF3}" type="datetimeFigureOut">
               <a:rPr lang="en-US" smtClean="0"/>
-              <a:t>5/6/2021</a:t>
+              <a:t>5/7/2021</a:t>
             </a:fld>
             <a:endParaRPr lang="en-US"/>
           </a:p>
@@ -417,7 +417,7 @@
             <a:fld id="{9D886DC0-0A93-42D6-A675-017B8760B41B}" type="datetimeFigureOut">
               <a:rPr lang="en-US" smtClean="0"/>
               <a:pPr/>
-              <a:t>5/6/2021</a:t>
+              <a:t>5/7/2021</a:t>
             </a:fld>
             <a:endParaRPr lang="en-US"/>
           </a:p>
@@ -4782,11 +4782,11 @@
   <p:clrMapOvr>
     <a:masterClrMapping/>
   </p:clrMapOvr>
-  <mc:AlternateContent xmlns:mc="http://schemas.openxmlformats.org/markup-compatibility/2006">
-    <mc:Choice xmlns:p14="http://schemas.microsoft.com/office/powerpoint/2010/main" Requires="p14">
+  <mc:AlternateContent xmlns:mc="http://schemas.openxmlformats.org/markup-compatibility/2006" xmlns:p14="http://schemas.microsoft.com/office/powerpoint/2010/main">
+    <mc:Choice Requires="p14">
       <p:transition spd="slow" p14:dur="2000" advTm="1415"/>
     </mc:Choice>
-    <mc:Fallback>
+    <mc:Fallback xmlns="">
       <p:transition spd="slow" advTm="1415"/>
     </mc:Fallback>
   </mc:AlternateContent>
@@ -6270,11 +6270,11 @@
   <p:clrMapOvr>
     <a:masterClrMapping/>
   </p:clrMapOvr>
-  <mc:AlternateContent xmlns:mc="http://schemas.openxmlformats.org/markup-compatibility/2006">
-    <mc:Choice xmlns:p14="http://schemas.microsoft.com/office/powerpoint/2010/main" Requires="p14">
+  <mc:AlternateContent xmlns:mc="http://schemas.openxmlformats.org/markup-compatibility/2006" xmlns:p14="http://schemas.microsoft.com/office/powerpoint/2010/main">
+    <mc:Choice Requires="p14">
       <p:transition spd="slow" p14:dur="2000" advTm="2426"/>
     </mc:Choice>
-    <mc:Fallback>
+    <mc:Fallback xmlns="">
       <p:transition spd="slow" advTm="2426"/>
     </mc:Fallback>
   </mc:AlternateContent>
@@ -10119,11 +10119,11 @@
   <p:clrMapOvr>
     <a:masterClrMapping/>
   </p:clrMapOvr>
-  <mc:AlternateContent xmlns:mc="http://schemas.openxmlformats.org/markup-compatibility/2006">
-    <mc:Choice xmlns:p14="http://schemas.microsoft.com/office/powerpoint/2010/main" Requires="p14">
+  <mc:AlternateContent xmlns:mc="http://schemas.openxmlformats.org/markup-compatibility/2006" xmlns:p14="http://schemas.microsoft.com/office/powerpoint/2010/main">
+    <mc:Choice Requires="p14">
       <p:transition spd="slow" p14:dur="2000" advTm="2999"/>
     </mc:Choice>
-    <mc:Fallback>
+    <mc:Fallback xmlns="">
       <p:transition spd="slow" advTm="2999"/>
     </mc:Fallback>
   </mc:AlternateContent>
@@ -12488,11 +12488,11 @@
   <p:clrMapOvr>
     <a:masterClrMapping/>
   </p:clrMapOvr>
-  <mc:AlternateContent xmlns:mc="http://schemas.openxmlformats.org/markup-compatibility/2006">
-    <mc:Choice xmlns:p14="http://schemas.microsoft.com/office/powerpoint/2010/main" Requires="p14">
+  <mc:AlternateContent xmlns:mc="http://schemas.openxmlformats.org/markup-compatibility/2006" xmlns:p14="http://schemas.microsoft.com/office/powerpoint/2010/main">
+    <mc:Choice Requires="p14">
       <p:transition spd="slow" p14:dur="2000" advTm="2667"/>
     </mc:Choice>
-    <mc:Fallback>
+    <mc:Fallback xmlns="">
       <p:transition spd="slow" advTm="2667"/>
     </mc:Fallback>
   </mc:AlternateContent>
@@ -14284,11 +14284,11 @@
   <p:clrMapOvr>
     <a:masterClrMapping/>
   </p:clrMapOvr>
-  <mc:AlternateContent xmlns:mc="http://schemas.openxmlformats.org/markup-compatibility/2006">
-    <mc:Choice xmlns:p14="http://schemas.microsoft.com/office/powerpoint/2010/main" Requires="p14">
+  <mc:AlternateContent xmlns:mc="http://schemas.openxmlformats.org/markup-compatibility/2006" xmlns:p14="http://schemas.microsoft.com/office/powerpoint/2010/main">
+    <mc:Choice Requires="p14">
       <p:transition spd="slow" p14:dur="2000" advTm="63252"/>
     </mc:Choice>
-    <mc:Fallback>
+    <mc:Fallback xmlns="">
       <p:transition spd="slow" advTm="63252"/>
     </mc:Fallback>
   </mc:AlternateContent>
@@ -16029,11 +16029,11 @@
   <p:clrMapOvr>
     <a:masterClrMapping/>
   </p:clrMapOvr>
-  <mc:AlternateContent xmlns:mc="http://schemas.openxmlformats.org/markup-compatibility/2006">
-    <mc:Choice xmlns:p14="http://schemas.microsoft.com/office/powerpoint/2010/main" Requires="p14">
+  <mc:AlternateContent xmlns:mc="http://schemas.openxmlformats.org/markup-compatibility/2006" xmlns:p14="http://schemas.microsoft.com/office/powerpoint/2010/main">
+    <mc:Choice Requires="p14">
       <p:transition spd="slow" p14:dur="2000" advTm="14794"/>
     </mc:Choice>
-    <mc:Fallback>
+    <mc:Fallback xmlns="">
       <p:transition spd="slow" advTm="14794"/>
     </mc:Fallback>
   </mc:AlternateContent>
@@ -16121,11 +16121,11 @@
   <p:clrMapOvr>
     <a:masterClrMapping/>
   </p:clrMapOvr>
-  <mc:AlternateContent xmlns:mc="http://schemas.openxmlformats.org/markup-compatibility/2006">
-    <mc:Choice xmlns:p14="http://schemas.microsoft.com/office/powerpoint/2010/main" Requires="p14">
+  <mc:AlternateContent xmlns:mc="http://schemas.openxmlformats.org/markup-compatibility/2006" xmlns:p14="http://schemas.microsoft.com/office/powerpoint/2010/main">
+    <mc:Choice Requires="p14">
       <p:transition spd="slow" p14:dur="2000" advTm="18820"/>
     </mc:Choice>
-    <mc:Fallback>
+    <mc:Fallback xmlns="">
       <p:transition spd="slow" advTm="18820"/>
     </mc:Fallback>
   </mc:AlternateContent>
@@ -16251,20 +16251,8 @@
           <a:p>
             <a:pPr lvl="1"/>
             <a:r>
-              <a:rPr lang="en-US"/>
-              <a:t>Write project final </a:t>
-            </a:r>
-            <a:r>
               <a:rPr lang="en-US" dirty="0"/>
-              <a:t>d</a:t>
-            </a:r>
-            <a:r>
-              <a:rPr lang="en-US"/>
-              <a:t>escription </a:t>
-            </a:r>
-            <a:r>
-              <a:rPr lang="en-US" dirty="0"/>
-              <a:t>document</a:t>
+              <a:t>Write project final description document</a:t>
             </a:r>
           </a:p>
           <a:p>
@@ -16297,11 +16285,11 @@
   <p:clrMapOvr>
     <a:masterClrMapping/>
   </p:clrMapOvr>
-  <mc:AlternateContent xmlns:mc="http://schemas.openxmlformats.org/markup-compatibility/2006">
-    <mc:Choice xmlns:p14="http://schemas.microsoft.com/office/powerpoint/2010/main" Requires="p14">
+  <mc:AlternateContent xmlns:mc="http://schemas.openxmlformats.org/markup-compatibility/2006" xmlns:p14="http://schemas.microsoft.com/office/powerpoint/2010/main">
+    <mc:Choice Requires="p14">
       <p:transition spd="slow" p14:dur="2000" advTm="59886"/>
     </mc:Choice>
-    <mc:Fallback>
+    <mc:Fallback xmlns="">
       <p:transition spd="slow" advTm="59886"/>
     </mc:Fallback>
   </mc:AlternateContent>
@@ -16495,11 +16483,11 @@
   <p:clrMapOvr>
     <a:masterClrMapping/>
   </p:clrMapOvr>
-  <mc:AlternateContent xmlns:mc="http://schemas.openxmlformats.org/markup-compatibility/2006">
-    <mc:Choice xmlns:p14="http://schemas.microsoft.com/office/powerpoint/2010/main" Requires="p14">
+  <mc:AlternateContent xmlns:mc="http://schemas.openxmlformats.org/markup-compatibility/2006" xmlns:p14="http://schemas.microsoft.com/office/powerpoint/2010/main">
+    <mc:Choice Requires="p14">
       <p:transition spd="slow" p14:dur="2000" advTm="151"/>
     </mc:Choice>
-    <mc:Fallback>
+    <mc:Fallback xmlns="">
       <p:transition spd="slow" advTm="151"/>
     </mc:Fallback>
   </mc:AlternateContent>
@@ -16571,7 +16559,7 @@
         <p:spPr/>
         <p:txBody>
           <a:bodyPr>
-            <a:normAutofit/>
+            <a:normAutofit lnSpcReduction="10000"/>
           </a:bodyPr>
           <a:lstStyle/>
           <a:p>
@@ -16585,7 +16573,7 @@
             </a:pPr>
             <a:r>
               <a:rPr lang="en-US" dirty="0"/>
-              <a:t>Testing is necessary to reduce faults in software.</a:t>
+              <a:t>Creating fault free software is a hard task, which means testing is necessary to reduce the number of faults. </a:t>
             </a:r>
           </a:p>
           <a:p>
@@ -16599,7 +16587,47 @@
             </a:pPr>
             <a:r>
               <a:rPr lang="en-US" dirty="0"/>
-              <a:t>Black box testing helps to find functional faults.</a:t>
+              <a:t>Black box testing helps to find functional faults and requires little knowledge of the inner workings of the program itself.</a:t>
+            </a:r>
+          </a:p>
+          <a:p>
+            <a:pPr lvl="1">
+              <a:lnSpc>
+                <a:spcPct val="80000"/>
+              </a:lnSpc>
+              <a:buSzPct val="45000"/>
+              <a:buFont typeface="StarSymbol"/>
+              <a:buChar char="●"/>
+            </a:pPr>
+            <a:r>
+              <a:rPr lang="en-US" dirty="0"/>
+              <a:t>Category partition method allows for systematic design of test inputs (TSL tool)</a:t>
+            </a:r>
+          </a:p>
+          <a:p>
+            <a:pPr marL="914400" lvl="2" indent="0">
+              <a:lnSpc>
+                <a:spcPct val="70000"/>
+              </a:lnSpc>
+              <a:buSzPct val="45000"/>
+              <a:buNone/>
+            </a:pPr>
+            <a:r>
+              <a:rPr lang="en-US" dirty="0"/>
+              <a:t>+ This specification language can be translated into easy to run test frames</a:t>
+            </a:r>
+          </a:p>
+          <a:p>
+            <a:pPr marL="914400" lvl="2" indent="0">
+              <a:lnSpc>
+                <a:spcPct val="70000"/>
+              </a:lnSpc>
+              <a:buSzPct val="45000"/>
+              <a:buNone/>
+            </a:pPr>
+            <a:r>
+              <a:rPr lang="en-US" dirty="0"/>
+              <a:t>- All possible inputs add up quickly which is costly in execution time</a:t>
             </a:r>
           </a:p>
           <a:p>
@@ -16613,7 +16641,7 @@
             </a:pPr>
             <a:r>
               <a:rPr lang="en-US" dirty="0"/>
-              <a:t>Category partition method allows for systematic design of test inputs (TSL tool)</a:t>
+              <a:t>Combinatorial interaction testing select a subset of test cases that are t-way adequate (CASA tool)</a:t>
             </a:r>
           </a:p>
           <a:p>
@@ -16626,7 +16654,7 @@
             </a:pPr>
             <a:r>
               <a:rPr lang="en-US" dirty="0"/>
-              <a:t>+ This specification language can be translated into easy to run test frames</a:t>
+              <a:t>+Can reduce the number of test frames to a manageable level.</a:t>
             </a:r>
           </a:p>
           <a:p>
@@ -16639,46 +16667,6 @@
             </a:pPr>
             <a:r>
               <a:rPr lang="en-US" dirty="0"/>
-              <a:t>- All possible inputs add up quickly which is costly in execution time</a:t>
-            </a:r>
-          </a:p>
-          <a:p>
-            <a:pPr lvl="1">
-              <a:lnSpc>
-                <a:spcPct val="70000"/>
-              </a:lnSpc>
-              <a:buSzPct val="45000"/>
-              <a:buFont typeface="StarSymbol"/>
-              <a:buChar char="●"/>
-            </a:pPr>
-            <a:r>
-              <a:rPr lang="en-US" dirty="0"/>
-              <a:t>Combinatorial interaction testing select a subset of test cases that are t-way adequate (CASA tool)</a:t>
-            </a:r>
-          </a:p>
-          <a:p>
-            <a:pPr marL="914400" lvl="2" indent="0">
-              <a:lnSpc>
-                <a:spcPct val="70000"/>
-              </a:lnSpc>
-              <a:buSzPct val="45000"/>
-              <a:buNone/>
-            </a:pPr>
-            <a:r>
-              <a:rPr lang="en-US" dirty="0"/>
-              <a:t>+Can reduce the number of test frames to a manageable level.</a:t>
-            </a:r>
-          </a:p>
-          <a:p>
-            <a:pPr marL="914400" lvl="2" indent="0">
-              <a:lnSpc>
-                <a:spcPct val="70000"/>
-              </a:lnSpc>
-              <a:buSzPct val="45000"/>
-              <a:buNone/>
-            </a:pPr>
-            <a:r>
-              <a:rPr lang="en-US" dirty="0"/>
               <a:t>- Not a user-friendly interface</a:t>
             </a:r>
           </a:p>
@@ -16689,11 +16677,11 @@
   <p:clrMapOvr>
     <a:masterClrMapping/>
   </p:clrMapOvr>
-  <mc:AlternateContent xmlns:mc="http://schemas.openxmlformats.org/markup-compatibility/2006">
-    <mc:Choice xmlns:p14="http://schemas.microsoft.com/office/powerpoint/2010/main" Requires="p14">
+  <mc:AlternateContent xmlns:mc="http://schemas.openxmlformats.org/markup-compatibility/2006" xmlns:p14="http://schemas.microsoft.com/office/powerpoint/2010/main">
+    <mc:Choice Requires="p14">
       <p:transition spd="slow" p14:dur="2000" advTm="104"/>
     </mc:Choice>
-    <mc:Fallback>
+    <mc:Fallback xmlns="">
       <p:transition spd="slow" advTm="104"/>
     </mc:Fallback>
   </mc:AlternateContent>
@@ -16884,11 +16872,11 @@
   <p:clrMapOvr>
     <a:masterClrMapping/>
   </p:clrMapOvr>
-  <mc:AlternateContent xmlns:mc="http://schemas.openxmlformats.org/markup-compatibility/2006">
-    <mc:Choice xmlns:p14="http://schemas.microsoft.com/office/powerpoint/2010/main" Requires="p14">
+  <mc:AlternateContent xmlns:mc="http://schemas.openxmlformats.org/markup-compatibility/2006" xmlns:p14="http://schemas.microsoft.com/office/powerpoint/2010/main">
+    <mc:Choice Requires="p14">
       <p:transition spd="slow" p14:dur="2000" advTm="110"/>
     </mc:Choice>
-    <mc:Fallback>
+    <mc:Fallback xmlns="">
       <p:transition spd="slow" advTm="110"/>
     </mc:Fallback>
   </mc:AlternateContent>
@@ -17013,11 +17001,11 @@
   <p:clrMapOvr>
     <a:masterClrMapping/>
   </p:clrMapOvr>
-  <mc:AlternateContent xmlns:mc="http://schemas.openxmlformats.org/markup-compatibility/2006">
-    <mc:Choice xmlns:p14="http://schemas.microsoft.com/office/powerpoint/2010/main" Requires="p14">
+  <mc:AlternateContent xmlns:mc="http://schemas.openxmlformats.org/markup-compatibility/2006" xmlns:p14="http://schemas.microsoft.com/office/powerpoint/2010/main">
+    <mc:Choice Requires="p14">
       <p:transition spd="slow" p14:dur="2000" advTm="188"/>
     </mc:Choice>
-    <mc:Fallback>
+    <mc:Fallback xmlns="">
       <p:transition spd="slow" advTm="188"/>
     </mc:Fallback>
   </mc:AlternateContent>
@@ -17596,11 +17584,11 @@
   <p:clrMapOvr>
     <a:masterClrMapping/>
   </p:clrMapOvr>
-  <mc:AlternateContent xmlns:mc="http://schemas.openxmlformats.org/markup-compatibility/2006">
-    <mc:Choice xmlns:p14="http://schemas.microsoft.com/office/powerpoint/2010/main" Requires="p14">
+  <mc:AlternateContent xmlns:mc="http://schemas.openxmlformats.org/markup-compatibility/2006" xmlns:p14="http://schemas.microsoft.com/office/powerpoint/2010/main">
+    <mc:Choice Requires="p14">
       <p:transition spd="slow" p14:dur="2000" advTm="1286"/>
     </mc:Choice>
-    <mc:Fallback>
+    <mc:Fallback xmlns="">
       <p:transition spd="slow" advTm="1286"/>
     </mc:Fallback>
   </mc:AlternateContent>
@@ -19599,11 +19587,11 @@
   <p:clrMapOvr>
     <a:masterClrMapping/>
   </p:clrMapOvr>
-  <mc:AlternateContent xmlns:mc="http://schemas.openxmlformats.org/markup-compatibility/2006">
-    <mc:Choice xmlns:p14="http://schemas.microsoft.com/office/powerpoint/2010/main" Requires="p14">
+  <mc:AlternateContent xmlns:mc="http://schemas.openxmlformats.org/markup-compatibility/2006" xmlns:p14="http://schemas.microsoft.com/office/powerpoint/2010/main">
+    <mc:Choice Requires="p14">
       <p:transition spd="slow" p14:dur="2000" advTm="1452"/>
     </mc:Choice>
-    <mc:Fallback>
+    <mc:Fallback xmlns="">
       <p:transition spd="slow" advTm="1452"/>
     </mc:Fallback>
   </mc:AlternateContent>
@@ -21377,11 +21365,11 @@
   <p:clrMapOvr>
     <a:masterClrMapping/>
   </p:clrMapOvr>
-  <mc:AlternateContent xmlns:mc="http://schemas.openxmlformats.org/markup-compatibility/2006">
-    <mc:Choice xmlns:p14="http://schemas.microsoft.com/office/powerpoint/2010/main" Requires="p14">
+  <mc:AlternateContent xmlns:mc="http://schemas.openxmlformats.org/markup-compatibility/2006" xmlns:p14="http://schemas.microsoft.com/office/powerpoint/2010/main">
+    <mc:Choice Requires="p14">
       <p:transition spd="slow" p14:dur="2000" advTm="1108"/>
     </mc:Choice>
-    <mc:Fallback>
+    <mc:Fallback xmlns="">
       <p:transition spd="slow" advTm="1108"/>
     </mc:Fallback>
   </mc:AlternateContent>
@@ -21920,11 +21908,11 @@
   <p:clrMapOvr>
     <a:masterClrMapping/>
   </p:clrMapOvr>
-  <mc:AlternateContent xmlns:mc="http://schemas.openxmlformats.org/markup-compatibility/2006">
-    <mc:Choice xmlns:p14="http://schemas.microsoft.com/office/powerpoint/2010/main" Requires="p14">
+  <mc:AlternateContent xmlns:mc="http://schemas.openxmlformats.org/markup-compatibility/2006" xmlns:p14="http://schemas.microsoft.com/office/powerpoint/2010/main">
+    <mc:Choice Requires="p14">
       <p:transition spd="slow" p14:dur="2000" advTm="193"/>
     </mc:Choice>
-    <mc:Fallback>
+    <mc:Fallback xmlns="">
       <p:transition spd="slow" advTm="193"/>
     </mc:Fallback>
   </mc:AlternateContent>
